--- a/ChaoCosas.pptx
+++ b/ChaoCosas.pptx
@@ -5404,7 +5404,7 @@
         </p:nvSpPr>
         <p:spPr>
           <a:xfrm>
-            <a:off x="810001" y="2167467"/>
+            <a:off x="810000" y="1481667"/>
             <a:ext cx="10572000" cy="1118198"/>
           </a:xfrm>
         </p:spPr>
@@ -5462,6 +5462,78 @@
             <a:r>
               <a:rPr lang="es-CL" sz="2000" dirty="0"/>
               <a:t>Tomas Garrido</a:t>
+            </a:r>
+          </a:p>
+        </p:txBody>
+      </p:sp>
+      <p:sp>
+        <p:nvSpPr>
+          <p:cNvPr id="4" name="CuadroTexto 3">
+            <a:extLst>
+              <a:ext uri="{FF2B5EF4-FFF2-40B4-BE49-F238E27FC236}">
+                <a16:creationId xmlns:a16="http://schemas.microsoft.com/office/drawing/2014/main" id="{6EAFD56C-71F2-43D2-A379-74091D4ACAC6}"/>
+              </a:ext>
+            </a:extLst>
+          </p:cNvPr>
+          <p:cNvSpPr txBox="1"/>
+          <p:nvPr/>
+        </p:nvSpPr>
+        <p:spPr>
+          <a:xfrm>
+            <a:off x="3197352" y="2488645"/>
+            <a:ext cx="5797296" cy="369332"/>
+          </a:xfrm>
+          <a:prstGeom prst="rect">
+            <a:avLst/>
+          </a:prstGeom>
+          <a:noFill/>
+        </p:spPr>
+        <p:txBody>
+          <a:bodyPr wrap="square" rtlCol="0">
+            <a:spAutoFit/>
+          </a:bodyPr>
+          <a:lstStyle/>
+          <a:p>
+            <a:pPr algn="ctr"/>
+            <a:r>
+              <a:rPr lang="es-MX" dirty="0"/>
+              <a:t>Deshazte De lo que ya no usas</a:t>
+            </a:r>
+            <a:endParaRPr lang="es-CL" dirty="0"/>
+          </a:p>
+        </p:txBody>
+      </p:sp>
+      <p:sp>
+        <p:nvSpPr>
+          <p:cNvPr id="5" name="CuadroTexto 4">
+            <a:extLst>
+              <a:ext uri="{FF2B5EF4-FFF2-40B4-BE49-F238E27FC236}">
+                <a16:creationId xmlns:a16="http://schemas.microsoft.com/office/drawing/2014/main" id="{74A2DA3C-444C-4089-8DA0-3B4EFCBE4DAE}"/>
+              </a:ext>
+            </a:extLst>
+          </p:cNvPr>
+          <p:cNvSpPr txBox="1"/>
+          <p:nvPr/>
+        </p:nvSpPr>
+        <p:spPr>
+          <a:xfrm>
+            <a:off x="5327904" y="2676585"/>
+            <a:ext cx="768096" cy="1323439"/>
+          </a:xfrm>
+          <a:prstGeom prst="rect">
+            <a:avLst/>
+          </a:prstGeom>
+          <a:noFill/>
+        </p:spPr>
+        <p:txBody>
+          <a:bodyPr wrap="square" rtlCol="0">
+            <a:spAutoFit/>
+          </a:bodyPr>
+          <a:lstStyle/>
+          <a:p>
+            <a:r>
+              <a:rPr lang="es-CL" sz="8000" dirty="0"/>
+              <a:t>🛒</a:t>
             </a:r>
           </a:p>
         </p:txBody>
@@ -5525,7 +5597,7 @@
             <a:pPr algn="ctr"/>
             <a:r>
               <a:rPr lang="es-MX" dirty="0"/>
-              <a:t>Objetivo</a:t>
+              <a:t>Objetivo y Principales funciones</a:t>
             </a:r>
             <a:endParaRPr lang="es-CL" dirty="0"/>
           </a:p>
@@ -5549,19 +5621,21 @@
         </p:nvSpPr>
         <p:spPr>
           <a:xfrm>
-            <a:off x="1022157" y="1976754"/>
-            <a:ext cx="10554574" cy="3636511"/>
+            <a:off x="1095278" y="2611754"/>
+            <a:ext cx="10001443" cy="3424979"/>
           </a:xfrm>
         </p:spPr>
         <p:txBody>
-          <a:bodyPr/>
+          <a:bodyPr>
+            <a:normAutofit fontScale="85000" lnSpcReduction="20000"/>
+          </a:bodyPr>
           <a:lstStyle/>
           <a:p>
             <a:pPr marL="0" indent="0">
               <a:buNone/>
             </a:pPr>
             <a:r>
-              <a:rPr lang="es-MX" sz="2400" dirty="0" err="1">
+              <a:rPr lang="es-MX" sz="1600" dirty="0" err="1">
                 <a:effectLst/>
                 <a:latin typeface="Arial Black" panose="020B0A04020102020204" pitchFamily="34" charset="0"/>
                 <a:ea typeface="Calibri" panose="020F0502020204030204" pitchFamily="34" charset="0"/>
@@ -5570,7 +5644,7 @@
               <a:t>Obj</a:t>
             </a:r>
             <a:r>
-              <a:rPr lang="es-MX" sz="2400" dirty="0">
+              <a:rPr lang="es-MX" sz="1600" dirty="0">
                 <a:effectLst/>
                 <a:latin typeface="Arial Black" panose="020B0A04020102020204" pitchFamily="34" charset="0"/>
                 <a:ea typeface="Calibri" panose="020F0502020204030204" pitchFamily="34" charset="0"/>
@@ -5579,7 +5653,7 @@
               <a:t> Principal : </a:t>
             </a:r>
             <a:r>
-              <a:rPr lang="es-CL" sz="2400" spc="-5" dirty="0">
+              <a:rPr lang="es-CL" sz="1600" spc="-5" dirty="0">
                 <a:effectLst/>
                 <a:latin typeface="Segoe UI" panose="020B0502040204020203" pitchFamily="34" charset="0"/>
                 <a:ea typeface="Calibri" panose="020F0502020204030204" pitchFamily="34" charset="0"/>
@@ -5588,7 +5662,7 @@
               <a:t>Como objetivo, esto Facilitara la compra y venta de productos usados y/o nuevos entre personas que buscan deshacerse de artículos que ya no utilizan y aquellos que quieren encontrar buenas ofertas, promoviendo una economía circular y el aprovechamiento de recursos</a:t>
             </a:r>
             <a:r>
-              <a:rPr lang="es-CL" sz="2400" spc="-5" dirty="0">
+              <a:rPr lang="es-CL" sz="1600" spc="-5" dirty="0">
                 <a:solidFill>
                   <a:srgbClr val="172B4D"/>
                 </a:solidFill>
@@ -5599,7 +5673,156 @@
               </a:rPr>
               <a:t>.</a:t>
             </a:r>
-            <a:endParaRPr lang="es-CL" sz="2400" dirty="0">
+          </a:p>
+          <a:p>
+            <a:pPr marL="0" indent="0">
+              <a:buNone/>
+            </a:pPr>
+            <a:endParaRPr lang="es-CL" sz="1600" spc="-5" dirty="0">
+              <a:solidFill>
+                <a:srgbClr val="172B4D"/>
+              </a:solidFill>
+              <a:latin typeface="Segoe UI" panose="020B0502040204020203" pitchFamily="34" charset="0"/>
+              <a:ea typeface="Calibri" panose="020F0502020204030204" pitchFamily="34" charset="0"/>
+              <a:cs typeface="Times New Roman" panose="02020603050405020304" pitchFamily="18" charset="0"/>
+            </a:endParaRPr>
+          </a:p>
+          <a:p>
+            <a:pPr marL="0" indent="0">
+              <a:lnSpc>
+                <a:spcPct val="107000"/>
+              </a:lnSpc>
+              <a:spcAft>
+                <a:spcPts val="800"/>
+              </a:spcAft>
+              <a:buNone/>
+            </a:pPr>
+            <a:r>
+              <a:rPr lang="es-CL" sz="1600" spc="-5" dirty="0">
+                <a:effectLst/>
+                <a:latin typeface="Segoe UI" panose="020B0502040204020203" pitchFamily="34" charset="0"/>
+                <a:ea typeface="Times New Roman" panose="02020603050405020304" pitchFamily="18" charset="0"/>
+                <a:cs typeface="Times New Roman" panose="02020603050405020304" pitchFamily="18" charset="0"/>
+              </a:rPr>
+              <a:t>las funciones principales son:</a:t>
+            </a:r>
+            <a:endParaRPr lang="es-CL" sz="1600" dirty="0">
+              <a:effectLst/>
+              <a:latin typeface="Calibri" panose="020F0502020204030204" pitchFamily="34" charset="0"/>
+              <a:ea typeface="Calibri" panose="020F0502020204030204" pitchFamily="34" charset="0"/>
+              <a:cs typeface="Times New Roman" panose="02020603050405020304" pitchFamily="18" charset="0"/>
+            </a:endParaRPr>
+          </a:p>
+          <a:p>
+            <a:pPr marL="0" indent="0">
+              <a:lnSpc>
+                <a:spcPct val="107000"/>
+              </a:lnSpc>
+              <a:buNone/>
+            </a:pPr>
+            <a:endParaRPr lang="es-CL" sz="1600" dirty="0">
+              <a:effectLst/>
+              <a:latin typeface="Calibri" panose="020F0502020204030204" pitchFamily="34" charset="0"/>
+              <a:ea typeface="Calibri" panose="020F0502020204030204" pitchFamily="34" charset="0"/>
+              <a:cs typeface="Times New Roman" panose="02020603050405020304" pitchFamily="18" charset="0"/>
+            </a:endParaRPr>
+          </a:p>
+          <a:p>
+            <a:pPr marL="342900" lvl="0" indent="-342900">
+              <a:lnSpc>
+                <a:spcPct val="107000"/>
+              </a:lnSpc>
+              <a:buFont typeface="+mj-lt"/>
+              <a:buAutoNum type="arabicPeriod"/>
+            </a:pPr>
+            <a:r>
+              <a:rPr lang="es-CL" sz="1600" spc="-5" dirty="0">
+                <a:effectLst/>
+                <a:latin typeface="Segoe UI" panose="020B0502040204020203" pitchFamily="34" charset="0"/>
+                <a:ea typeface="Times New Roman" panose="02020603050405020304" pitchFamily="18" charset="0"/>
+                <a:cs typeface="Times New Roman" panose="02020603050405020304" pitchFamily="18" charset="0"/>
+              </a:rPr>
+              <a:t>Subir productos: subir anuncios de las cosas que necesita vender con su descripción de los detalles que tiene</a:t>
+            </a:r>
+            <a:endParaRPr lang="es-CL" sz="1600" dirty="0">
+              <a:effectLst/>
+              <a:latin typeface="Calibri" panose="020F0502020204030204" pitchFamily="34" charset="0"/>
+              <a:ea typeface="Calibri" panose="020F0502020204030204" pitchFamily="34" charset="0"/>
+              <a:cs typeface="Times New Roman" panose="02020603050405020304" pitchFamily="18" charset="0"/>
+            </a:endParaRPr>
+          </a:p>
+          <a:p>
+            <a:pPr marL="342900" lvl="0" indent="-342900">
+              <a:lnSpc>
+                <a:spcPct val="107000"/>
+              </a:lnSpc>
+              <a:buFont typeface="+mj-lt"/>
+              <a:buAutoNum type="arabicPeriod"/>
+            </a:pPr>
+            <a:r>
+              <a:rPr lang="es-CL" sz="1600" spc="-5" dirty="0">
+                <a:effectLst/>
+                <a:latin typeface="Segoe UI" panose="020B0502040204020203" pitchFamily="34" charset="0"/>
+                <a:ea typeface="Times New Roman" panose="02020603050405020304" pitchFamily="18" charset="0"/>
+                <a:cs typeface="Times New Roman" panose="02020603050405020304" pitchFamily="18" charset="0"/>
+              </a:rPr>
+              <a:t>Filtro y búsqueda: permite que los compradores busquen productos específicos</a:t>
+            </a:r>
+          </a:p>
+          <a:p>
+            <a:pPr marL="342900" lvl="0" indent="-342900">
+              <a:lnSpc>
+                <a:spcPct val="107000"/>
+              </a:lnSpc>
+              <a:buFont typeface="+mj-lt"/>
+              <a:buAutoNum type="arabicPeriod"/>
+            </a:pPr>
+            <a:r>
+              <a:rPr lang="es-CL" sz="1600" spc="-5" dirty="0">
+                <a:effectLst/>
+                <a:latin typeface="Segoe UI" panose="020B0502040204020203" pitchFamily="34" charset="0"/>
+                <a:ea typeface="Times New Roman" panose="02020603050405020304" pitchFamily="18" charset="0"/>
+                <a:cs typeface="Times New Roman" panose="02020603050405020304" pitchFamily="18" charset="0"/>
+              </a:rPr>
+              <a:t> Pagos seguros: asegura que ambas partes cumplan con la paga asegurando sus datos o estafa</a:t>
+            </a:r>
+          </a:p>
+          <a:p>
+            <a:pPr marL="342900" lvl="0" indent="-342900">
+              <a:lnSpc>
+                <a:spcPct val="107000"/>
+              </a:lnSpc>
+              <a:buFont typeface="+mj-lt"/>
+              <a:buAutoNum type="arabicPeriod"/>
+            </a:pPr>
+            <a:endParaRPr lang="es-CL" sz="1600" spc="-5" dirty="0">
+              <a:latin typeface="Segoe UI" panose="020B0502040204020203" pitchFamily="34" charset="0"/>
+              <a:ea typeface="Calibri" panose="020F0502020204030204" pitchFamily="34" charset="0"/>
+              <a:cs typeface="Times New Roman" panose="02020603050405020304" pitchFamily="18" charset="0"/>
+            </a:endParaRPr>
+          </a:p>
+          <a:p>
+            <a:pPr marL="0" lvl="0" indent="0" algn="ctr">
+              <a:lnSpc>
+                <a:spcPct val="107000"/>
+              </a:lnSpc>
+              <a:buNone/>
+            </a:pPr>
+            <a:r>
+              <a:rPr lang="es-CL" sz="2600" dirty="0">
+                <a:effectLst/>
+                <a:latin typeface="Calibri" panose="020F0502020204030204" pitchFamily="34" charset="0"/>
+                <a:ea typeface="Calibri" panose="020F0502020204030204" pitchFamily="34" charset="0"/>
+                <a:cs typeface="Times New Roman" panose="02020603050405020304" pitchFamily="18" charset="0"/>
+              </a:rPr>
+              <a:t>“Venta Rápida”</a:t>
+            </a:r>
+          </a:p>
+          <a:p>
+            <a:pPr marL="0" indent="0">
+              <a:buNone/>
+            </a:pPr>
+            <a:endParaRPr lang="es-CL" sz="1600" dirty="0">
               <a:effectLst/>
               <a:latin typeface="Calibri" panose="020F0502020204030204" pitchFamily="34" charset="0"/>
               <a:ea typeface="Calibri" panose="020F0502020204030204" pitchFamily="34" charset="0"/>
@@ -5836,23 +6059,7 @@
                 <a:latin typeface="Segoe UI" panose="020B0502040204020203" pitchFamily="34" charset="0"/>
                 <a:ea typeface="Times New Roman" panose="02020603050405020304" pitchFamily="18" charset="0"/>
               </a:rPr>
-              <a:t>4. </a:t>
-            </a:r>
-            <a:r>
-              <a:rPr lang="es-CL" sz="1800" spc="-5">
-                <a:effectLst/>
-                <a:latin typeface="Segoe UI" panose="020B0502040204020203" pitchFamily="34" charset="0"/>
-                <a:ea typeface="Times New Roman" panose="02020603050405020304" pitchFamily="18" charset="0"/>
-              </a:rPr>
-              <a:t>Personas </a:t>
-            </a:r>
-            <a:r>
-              <a:rPr lang="es-CL" sz="1800" spc="-5" dirty="0">
-                <a:effectLst/>
-                <a:latin typeface="Segoe UI" panose="020B0502040204020203" pitchFamily="34" charset="0"/>
-                <a:ea typeface="Times New Roman" panose="02020603050405020304" pitchFamily="18" charset="0"/>
-              </a:rPr>
-              <a:t>que necesitan liberar espacio: Aquellos que quieren deshacerse de productos sin tirarlos a la basura.</a:t>
+              <a:t>4. Personas que necesitan liberar espacio: Aquellos que quieren deshacerse de productos sin tirarlos a la basura.</a:t>
             </a:r>
             <a:endParaRPr lang="es-CL" sz="1800" dirty="0">
               <a:effectLst/>
